--- a/卒業制作.pptx
+++ b/卒業制作.pptx
@@ -110,6 +110,11 @@
       </a:defRPr>
     </a:lvl9pPr>
   </p:defaultTextStyle>
+  <p:extLst>
+    <p:ext uri="{EFAFB233-063F-42B5-8137-9DF3F51BA10A}">
+      <p15:sldGuideLst xmlns:p15="http://schemas.microsoft.com/office/powerpoint/2012/main"/>
+    </p:ext>
+  </p:extLst>
 </p:presentation>
 </file>
 
@@ -244,7 +249,7 @@
           <a:p>
             <a:fld id="{6BCFBF75-B6E2-4E82-A076-68E7600FBD69}" type="datetimeFigureOut">
               <a:rPr kumimoji="1" lang="ja-JP" altLang="en-US" smtClean="0"/>
-              <a:t>2015/12/21</a:t>
+              <a:t>2016/1/12</a:t>
             </a:fld>
             <a:endParaRPr kumimoji="1" lang="ja-JP" altLang="en-US"/>
           </a:p>
@@ -446,7 +451,7 @@
           <a:p>
             <a:fld id="{6BCFBF75-B6E2-4E82-A076-68E7600FBD69}" type="datetimeFigureOut">
               <a:rPr kumimoji="1" lang="ja-JP" altLang="en-US" smtClean="0"/>
-              <a:t>2015/12/21</a:t>
+              <a:t>2016/1/12</a:t>
             </a:fld>
             <a:endParaRPr kumimoji="1" lang="ja-JP" altLang="en-US"/>
           </a:p>
@@ -658,7 +663,7 @@
           <a:p>
             <a:fld id="{6BCFBF75-B6E2-4E82-A076-68E7600FBD69}" type="datetimeFigureOut">
               <a:rPr kumimoji="1" lang="ja-JP" altLang="en-US" smtClean="0"/>
-              <a:t>2015/12/21</a:t>
+              <a:t>2016/1/12</a:t>
             </a:fld>
             <a:endParaRPr kumimoji="1" lang="ja-JP" altLang="en-US"/>
           </a:p>
@@ -860,7 +865,7 @@
           <a:p>
             <a:fld id="{6BCFBF75-B6E2-4E82-A076-68E7600FBD69}" type="datetimeFigureOut">
               <a:rPr kumimoji="1" lang="ja-JP" altLang="en-US" smtClean="0"/>
-              <a:t>2015/12/21</a:t>
+              <a:t>2016/1/12</a:t>
             </a:fld>
             <a:endParaRPr kumimoji="1" lang="ja-JP" altLang="en-US"/>
           </a:p>
@@ -1106,7 +1111,7 @@
           <a:p>
             <a:fld id="{6BCFBF75-B6E2-4E82-A076-68E7600FBD69}" type="datetimeFigureOut">
               <a:rPr kumimoji="1" lang="ja-JP" altLang="en-US" smtClean="0"/>
-              <a:t>2015/12/21</a:t>
+              <a:t>2016/1/12</a:t>
             </a:fld>
             <a:endParaRPr kumimoji="1" lang="ja-JP" altLang="en-US"/>
           </a:p>
@@ -1402,7 +1407,7 @@
           <a:p>
             <a:fld id="{6BCFBF75-B6E2-4E82-A076-68E7600FBD69}" type="datetimeFigureOut">
               <a:rPr kumimoji="1" lang="ja-JP" altLang="en-US" smtClean="0"/>
-              <a:t>2015/12/21</a:t>
+              <a:t>2016/1/12</a:t>
             </a:fld>
             <a:endParaRPr kumimoji="1" lang="ja-JP" altLang="en-US"/>
           </a:p>
@@ -1833,7 +1838,7 @@
           <a:p>
             <a:fld id="{6BCFBF75-B6E2-4E82-A076-68E7600FBD69}" type="datetimeFigureOut">
               <a:rPr kumimoji="1" lang="ja-JP" altLang="en-US" smtClean="0"/>
-              <a:t>2015/12/21</a:t>
+              <a:t>2016/1/12</a:t>
             </a:fld>
             <a:endParaRPr kumimoji="1" lang="ja-JP" altLang="en-US"/>
           </a:p>
@@ -1951,7 +1956,7 @@
           <a:p>
             <a:fld id="{6BCFBF75-B6E2-4E82-A076-68E7600FBD69}" type="datetimeFigureOut">
               <a:rPr kumimoji="1" lang="ja-JP" altLang="en-US" smtClean="0"/>
-              <a:t>2015/12/21</a:t>
+              <a:t>2016/1/12</a:t>
             </a:fld>
             <a:endParaRPr kumimoji="1" lang="ja-JP" altLang="en-US"/>
           </a:p>
@@ -2046,7 +2051,7 @@
           <a:p>
             <a:fld id="{6BCFBF75-B6E2-4E82-A076-68E7600FBD69}" type="datetimeFigureOut">
               <a:rPr kumimoji="1" lang="ja-JP" altLang="en-US" smtClean="0"/>
-              <a:t>2015/12/21</a:t>
+              <a:t>2016/1/12</a:t>
             </a:fld>
             <a:endParaRPr kumimoji="1" lang="ja-JP" altLang="en-US"/>
           </a:p>
@@ -2355,7 +2360,7 @@
           <a:p>
             <a:fld id="{6BCFBF75-B6E2-4E82-A076-68E7600FBD69}" type="datetimeFigureOut">
               <a:rPr kumimoji="1" lang="ja-JP" altLang="en-US" smtClean="0"/>
-              <a:t>2015/12/21</a:t>
+              <a:t>2016/1/12</a:t>
             </a:fld>
             <a:endParaRPr kumimoji="1" lang="ja-JP" altLang="en-US"/>
           </a:p>
@@ -2608,7 +2613,7 @@
           <a:p>
             <a:fld id="{6BCFBF75-B6E2-4E82-A076-68E7600FBD69}" type="datetimeFigureOut">
               <a:rPr kumimoji="1" lang="ja-JP" altLang="en-US" smtClean="0"/>
-              <a:t>2015/12/21</a:t>
+              <a:t>2016/1/12</a:t>
             </a:fld>
             <a:endParaRPr kumimoji="1" lang="ja-JP" altLang="en-US"/>
           </a:p>
@@ -2853,7 +2858,7 @@
           <a:p>
             <a:fld id="{6BCFBF75-B6E2-4E82-A076-68E7600FBD69}" type="datetimeFigureOut">
               <a:rPr kumimoji="1" lang="ja-JP" altLang="en-US" smtClean="0"/>
-              <a:t>2015/12/21</a:t>
+              <a:t>2016/1/12</a:t>
             </a:fld>
             <a:endParaRPr kumimoji="1" lang="ja-JP" altLang="en-US"/>
           </a:p>
@@ -3293,54 +3298,54 @@
         </p:nvSpPr>
         <p:spPr>
           <a:xfrm>
-            <a:off x="2026276" y="4593711"/>
-            <a:ext cx="9144000" cy="1655762"/>
+            <a:off x="2520546" y="4420716"/>
+            <a:ext cx="9144000" cy="2177792"/>
           </a:xfrm>
         </p:spPr>
         <p:txBody>
           <a:bodyPr>
-            <a:normAutofit lnSpcReduction="10000"/>
+            <a:normAutofit/>
           </a:bodyPr>
           <a:lstStyle/>
           <a:p>
             <a:pPr algn="r"/>
             <a:r>
-              <a:rPr kumimoji="1" lang="ja-JP" altLang="en-US" dirty="0" smtClean="0"/>
+              <a:rPr kumimoji="1" lang="ja-JP" altLang="en-US" sz="2800" dirty="0" smtClean="0"/>
               <a:t>メンバー：</a:t>
             </a:r>
             <a:r>
-              <a:rPr kumimoji="1" lang="en-US" altLang="ja-JP" dirty="0" smtClean="0"/>
+              <a:rPr kumimoji="1" lang="en-US" altLang="ja-JP" sz="2800" dirty="0" smtClean="0"/>
               <a:t>	</a:t>
             </a:r>
             <a:r>
-              <a:rPr lang="ja-JP" altLang="en-US" dirty="0" smtClean="0"/>
+              <a:rPr lang="ja-JP" altLang="en-US" sz="2800" dirty="0" smtClean="0"/>
               <a:t>寺島　啓介</a:t>
             </a:r>
-            <a:endParaRPr lang="en-US" altLang="ja-JP" dirty="0" smtClean="0"/>
+            <a:endParaRPr lang="en-US" altLang="ja-JP" sz="2800" dirty="0" smtClean="0"/>
           </a:p>
           <a:p>
             <a:pPr algn="r"/>
             <a:r>
-              <a:rPr kumimoji="1" lang="ja-JP" altLang="en-US" dirty="0" smtClean="0"/>
+              <a:rPr kumimoji="1" lang="ja-JP" altLang="en-US" sz="2800" dirty="0" smtClean="0"/>
               <a:t>郡司　一輝</a:t>
             </a:r>
-            <a:endParaRPr kumimoji="1" lang="en-US" altLang="ja-JP" dirty="0" smtClean="0"/>
+            <a:endParaRPr kumimoji="1" lang="en-US" altLang="ja-JP" sz="2800" dirty="0" smtClean="0"/>
           </a:p>
           <a:p>
             <a:pPr algn="r"/>
             <a:r>
-              <a:rPr lang="ja-JP" altLang="en-US" dirty="0" smtClean="0"/>
+              <a:rPr lang="ja-JP" altLang="en-US" sz="2800" dirty="0" smtClean="0"/>
               <a:t>宮崎　知典</a:t>
             </a:r>
-            <a:endParaRPr lang="en-US" altLang="ja-JP" dirty="0" smtClean="0"/>
+            <a:endParaRPr lang="en-US" altLang="ja-JP" sz="2800" dirty="0" smtClean="0"/>
           </a:p>
           <a:p>
             <a:pPr algn="r"/>
             <a:r>
-              <a:rPr kumimoji="1" lang="ja-JP" altLang="en-US" dirty="0" smtClean="0"/>
+              <a:rPr kumimoji="1" lang="ja-JP" altLang="en-US" sz="2800" dirty="0" smtClean="0"/>
               <a:t>長田　恭一</a:t>
             </a:r>
-            <a:endParaRPr kumimoji="1" lang="ja-JP" altLang="en-US" dirty="0"/>
+            <a:endParaRPr kumimoji="1" lang="ja-JP" altLang="en-US" sz="2800" dirty="0"/>
           </a:p>
         </p:txBody>
       </p:sp>
@@ -3383,29 +3388,6 @@
       </p:grpSpPr>
       <p:sp>
         <p:nvSpPr>
-          <p:cNvPr id="2" name="タイトル 1"/>
-          <p:cNvSpPr>
-            <a:spLocks noGrp="1"/>
-          </p:cNvSpPr>
-          <p:nvPr>
-            <p:ph type="title"/>
-          </p:nvPr>
-        </p:nvSpPr>
-        <p:spPr/>
-        <p:txBody>
-          <a:bodyPr/>
-          <a:lstStyle/>
-          <a:p>
-            <a:r>
-              <a:rPr lang="ja-JP" altLang="en-US" dirty="0"/>
-              <a:t>目次</a:t>
-            </a:r>
-            <a:endParaRPr kumimoji="1" lang="ja-JP" altLang="en-US" dirty="0"/>
-          </a:p>
-        </p:txBody>
-      </p:sp>
-      <p:sp>
-        <p:nvSpPr>
           <p:cNvPr id="3" name="コンテンツ プレースホルダー 2"/>
           <p:cNvSpPr>
             <a:spLocks noGrp="1"/>
@@ -3414,9 +3396,16 @@
             <p:ph idx="1"/>
           </p:nvPr>
         </p:nvSpPr>
-        <p:spPr/>
-        <p:txBody>
-          <a:bodyPr/>
+        <p:spPr>
+          <a:xfrm>
+            <a:off x="838200" y="2421923"/>
+            <a:ext cx="10515600" cy="3755039"/>
+          </a:xfrm>
+        </p:spPr>
+        <p:txBody>
+          <a:bodyPr>
+            <a:normAutofit/>
+          </a:bodyPr>
           <a:lstStyle/>
           <a:p>
             <a:pPr>
@@ -3424,10 +3413,10 @@
               <a:buChar char="l"/>
             </a:pPr>
             <a:r>
-              <a:rPr kumimoji="1" lang="ja-JP" altLang="en-US" dirty="0" smtClean="0"/>
+              <a:rPr kumimoji="1" lang="ja-JP" altLang="en-US" sz="3200" dirty="0" smtClean="0"/>
               <a:t>チエリンクとは？</a:t>
             </a:r>
-            <a:endParaRPr kumimoji="1" lang="en-US" altLang="ja-JP" dirty="0" smtClean="0"/>
+            <a:endParaRPr kumimoji="1" lang="en-US" altLang="ja-JP" sz="3200" dirty="0" smtClean="0"/>
           </a:p>
           <a:p>
             <a:pPr>
@@ -3435,10 +3424,10 @@
               <a:buChar char="l"/>
             </a:pPr>
             <a:r>
-              <a:rPr kumimoji="1" lang="ja-JP" altLang="en-US" dirty="0" smtClean="0"/>
+              <a:rPr kumimoji="1" lang="ja-JP" altLang="en-US" sz="3200" dirty="0" smtClean="0"/>
               <a:t>開発環境</a:t>
             </a:r>
-            <a:endParaRPr kumimoji="1" lang="en-US" altLang="ja-JP" dirty="0" smtClean="0"/>
+            <a:endParaRPr kumimoji="1" lang="en-US" altLang="ja-JP" sz="3200" dirty="0" smtClean="0"/>
           </a:p>
           <a:p>
             <a:pPr>
@@ -3446,10 +3435,10 @@
               <a:buChar char="l"/>
             </a:pPr>
             <a:r>
-              <a:rPr lang="ja-JP" altLang="en-US" dirty="0" smtClean="0"/>
+              <a:rPr lang="ja-JP" altLang="en-US" sz="3200" dirty="0" smtClean="0"/>
               <a:t>機能説明</a:t>
             </a:r>
-            <a:endParaRPr lang="en-US" altLang="ja-JP" dirty="0" smtClean="0"/>
+            <a:endParaRPr lang="en-US" altLang="ja-JP" sz="3200" dirty="0" smtClean="0"/>
           </a:p>
           <a:p>
             <a:pPr>
@@ -3457,10 +3446,10 @@
               <a:buChar char="l"/>
             </a:pPr>
             <a:r>
-              <a:rPr kumimoji="1" lang="ja-JP" altLang="en-US" dirty="0" smtClean="0"/>
+              <a:rPr kumimoji="1" lang="ja-JP" altLang="en-US" sz="3200" dirty="0" smtClean="0"/>
               <a:t>実演</a:t>
             </a:r>
-            <a:endParaRPr kumimoji="1" lang="en-US" altLang="ja-JP" dirty="0" smtClean="0"/>
+            <a:endParaRPr kumimoji="1" lang="en-US" altLang="ja-JP" sz="3200" dirty="0" smtClean="0"/>
           </a:p>
           <a:p>
             <a:pPr>
@@ -3468,13 +3457,133 @@
               <a:buChar char="l"/>
             </a:pPr>
             <a:r>
-              <a:rPr kumimoji="1" lang="ja-JP" altLang="en-US" dirty="0" smtClean="0"/>
+              <a:rPr kumimoji="1" lang="ja-JP" altLang="en-US" sz="3200" dirty="0" smtClean="0"/>
               <a:t>質疑応答</a:t>
             </a:r>
-            <a:endParaRPr kumimoji="1" lang="ja-JP" altLang="en-US" dirty="0"/>
-          </a:p>
-        </p:txBody>
-      </p:sp>
+            <a:endParaRPr kumimoji="1" lang="ja-JP" altLang="en-US" sz="3200" dirty="0"/>
+          </a:p>
+        </p:txBody>
+      </p:sp>
+      <p:sp>
+        <p:nvSpPr>
+          <p:cNvPr id="4" name="横巻き 3"/>
+          <p:cNvSpPr/>
+          <p:nvPr/>
+        </p:nvSpPr>
+        <p:spPr>
+          <a:xfrm>
+            <a:off x="783368" y="228160"/>
+            <a:ext cx="10674692" cy="1248033"/>
+          </a:xfrm>
+          <a:prstGeom prst="horizontalScroll">
+            <a:avLst/>
+          </a:prstGeom>
+        </p:spPr>
+        <p:style>
+          <a:lnRef idx="2">
+            <a:schemeClr val="accent5">
+              <a:shade val="50000"/>
+            </a:schemeClr>
+          </a:lnRef>
+          <a:fillRef idx="1">
+            <a:schemeClr val="accent5"/>
+          </a:fillRef>
+          <a:effectRef idx="0">
+            <a:schemeClr val="accent5"/>
+          </a:effectRef>
+          <a:fontRef idx="minor">
+            <a:schemeClr val="lt1"/>
+          </a:fontRef>
+        </p:style>
+        <p:txBody>
+          <a:bodyPr rtlCol="0" anchor="ctr"/>
+          <a:lstStyle/>
+          <a:p>
+            <a:pPr algn="ctr"/>
+            <a:endParaRPr kumimoji="1" lang="ja-JP" altLang="en-US"/>
+          </a:p>
+        </p:txBody>
+      </p:sp>
+      <p:sp>
+        <p:nvSpPr>
+          <p:cNvPr id="2" name="タイトル 1"/>
+          <p:cNvSpPr>
+            <a:spLocks noGrp="1"/>
+          </p:cNvSpPr>
+          <p:nvPr>
+            <p:ph type="title"/>
+          </p:nvPr>
+        </p:nvSpPr>
+        <p:spPr>
+          <a:xfrm>
+            <a:off x="4953000" y="228160"/>
+            <a:ext cx="2930611" cy="1325563"/>
+          </a:xfrm>
+        </p:spPr>
+        <p:txBody>
+          <a:bodyPr/>
+          <a:lstStyle/>
+          <a:p>
+            <a:r>
+              <a:rPr lang="ja-JP" altLang="en-US" dirty="0">
+                <a:solidFill>
+                  <a:schemeClr val="bg1"/>
+                </a:solidFill>
+                <a:effectLst>
+                  <a:outerShdw blurRad="50800" dist="38100" dir="18900000" algn="bl" rotWithShape="0">
+                    <a:prstClr val="black">
+                      <a:alpha val="40000"/>
+                    </a:prstClr>
+                  </a:outerShdw>
+                </a:effectLst>
+              </a:rPr>
+              <a:t>目次</a:t>
+            </a:r>
+            <a:endParaRPr kumimoji="1" lang="ja-JP" altLang="en-US" dirty="0">
+              <a:solidFill>
+                <a:schemeClr val="bg1"/>
+              </a:solidFill>
+              <a:effectLst>
+                <a:outerShdw blurRad="50800" dist="38100" dir="18900000" algn="bl" rotWithShape="0">
+                  <a:prstClr val="black">
+                    <a:alpha val="40000"/>
+                  </a:prstClr>
+                </a:outerShdw>
+              </a:effectLst>
+            </a:endParaRPr>
+          </a:p>
+        </p:txBody>
+      </p:sp>
+      <p:pic>
+        <p:nvPicPr>
+          <p:cNvPr id="5" name="図 4"/>
+          <p:cNvPicPr>
+            <a:picLocks noChangeAspect="1"/>
+          </p:cNvPicPr>
+          <p:nvPr/>
+        </p:nvPicPr>
+        <p:blipFill>
+          <a:blip r:embed="rId2">
+            <a:extLst>
+              <a:ext uri="{28A0092B-C50C-407E-A947-70E740481C1C}">
+                <a14:useLocalDpi xmlns:a14="http://schemas.microsoft.com/office/drawing/2010/main" val="0"/>
+              </a:ext>
+            </a:extLst>
+          </a:blip>
+          <a:stretch>
+            <a:fillRect/>
+          </a:stretch>
+        </p:blipFill>
+        <p:spPr>
+          <a:xfrm>
+            <a:off x="6418305" y="2656701"/>
+            <a:ext cx="3912972" cy="2631991"/>
+          </a:xfrm>
+          <a:prstGeom prst="rect">
+            <a:avLst/>
+          </a:prstGeom>
+        </p:spPr>
+      </p:pic>
     </p:spTree>
     <p:extLst>
       <p:ext uri="{BB962C8B-B14F-4D97-AF65-F5344CB8AC3E}">
@@ -3512,6 +3621,46 @@
           <a:chExt cx="0" cy="0"/>
         </a:xfrm>
       </p:grpSpPr>
+      <p:sp>
+        <p:nvSpPr>
+          <p:cNvPr id="4" name="横巻き 3"/>
+          <p:cNvSpPr/>
+          <p:nvPr/>
+        </p:nvSpPr>
+        <p:spPr>
+          <a:xfrm>
+            <a:off x="778477" y="223250"/>
+            <a:ext cx="10674692" cy="1248033"/>
+          </a:xfrm>
+          <a:prstGeom prst="horizontalScroll">
+            <a:avLst/>
+          </a:prstGeom>
+        </p:spPr>
+        <p:style>
+          <a:lnRef idx="2">
+            <a:schemeClr val="accent5">
+              <a:shade val="50000"/>
+            </a:schemeClr>
+          </a:lnRef>
+          <a:fillRef idx="1">
+            <a:schemeClr val="accent5"/>
+          </a:fillRef>
+          <a:effectRef idx="0">
+            <a:schemeClr val="accent5"/>
+          </a:effectRef>
+          <a:fontRef idx="minor">
+            <a:schemeClr val="lt1"/>
+          </a:fontRef>
+        </p:style>
+        <p:txBody>
+          <a:bodyPr rtlCol="0" anchor="ctr"/>
+          <a:lstStyle/>
+          <a:p>
+            <a:pPr algn="ctr"/>
+            <a:endParaRPr kumimoji="1" lang="ja-JP" altLang="en-US"/>
+          </a:p>
+        </p:txBody>
+      </p:sp>
       <p:pic>
         <p:nvPicPr>
           <p:cNvPr id="16" name="図 15"/>
@@ -3552,77 +3701,76 @@
             <p:ph type="title"/>
           </p:nvPr>
         </p:nvSpPr>
-        <p:spPr/>
-        <p:txBody>
-          <a:bodyPr/>
-          <a:lstStyle/>
-          <a:p>
-            <a:r>
-              <a:rPr lang="ja-JP" altLang="en-US" dirty="0" smtClean="0"/>
-              <a:t>チエリンクとは？</a:t>
-            </a:r>
-            <a:endParaRPr kumimoji="1" lang="ja-JP" altLang="en-US" dirty="0"/>
-          </a:p>
-        </p:txBody>
-      </p:sp>
-      <p:sp>
-        <p:nvSpPr>
-          <p:cNvPr id="10" name="コンテンツ プレースホルダー 9"/>
-          <p:cNvSpPr>
-            <a:spLocks noGrp="1"/>
-          </p:cNvSpPr>
-          <p:nvPr>
-            <p:ph idx="1"/>
-          </p:nvPr>
-        </p:nvSpPr>
         <p:spPr>
           <a:xfrm>
-            <a:off x="422565" y="1939261"/>
+            <a:off x="3719563" y="258394"/>
+            <a:ext cx="4550969" cy="1325563"/>
+          </a:xfrm>
+        </p:spPr>
+        <p:txBody>
+          <a:bodyPr/>
+          <a:lstStyle/>
+          <a:p>
+            <a:r>
+              <a:rPr lang="ja-JP" altLang="en-US" dirty="0" smtClean="0">
+                <a:solidFill>
+                  <a:schemeClr val="bg1"/>
+                </a:solidFill>
+                <a:effectLst>
+                  <a:outerShdw blurRad="50800" dist="38100" dir="2700000" algn="tl" rotWithShape="0">
+                    <a:prstClr val="black">
+                      <a:alpha val="40000"/>
+                    </a:prstClr>
+                  </a:outerShdw>
+                </a:effectLst>
+              </a:rPr>
+              <a:t>チエリンクとは？</a:t>
+            </a:r>
+            <a:endParaRPr kumimoji="1" lang="ja-JP" altLang="en-US" dirty="0">
+              <a:solidFill>
+                <a:schemeClr val="bg1"/>
+              </a:solidFill>
+              <a:effectLst>
+                <a:outerShdw blurRad="50800" dist="38100" dir="2700000" algn="tl" rotWithShape="0">
+                  <a:prstClr val="black">
+                    <a:alpha val="40000"/>
+                  </a:prstClr>
+                </a:outerShdw>
+              </a:effectLst>
+            </a:endParaRPr>
+          </a:p>
+        </p:txBody>
+      </p:sp>
+      <p:sp>
+        <p:nvSpPr>
+          <p:cNvPr id="10" name="コンテンツ プレースホルダー 9"/>
+          <p:cNvSpPr>
+            <a:spLocks noGrp="1"/>
+          </p:cNvSpPr>
+          <p:nvPr>
+            <p:ph idx="1"/>
+          </p:nvPr>
+        </p:nvSpPr>
+        <p:spPr>
+          <a:xfrm>
+            <a:off x="521419" y="2174766"/>
             <a:ext cx="10515600" cy="813020"/>
           </a:xfrm>
         </p:spPr>
         <p:txBody>
-          <a:bodyPr/>
-          <a:lstStyle/>
-          <a:p>
-            <a:r>
-              <a:rPr lang="ja-JP" altLang="en-US" dirty="0" smtClean="0"/>
+          <a:bodyPr>
+            <a:normAutofit/>
+          </a:bodyPr>
+          <a:lstStyle/>
+          <a:p>
+            <a:r>
+              <a:rPr lang="ja-JP" altLang="en-US" sz="3200" dirty="0" smtClean="0"/>
               <a:t>質問チャットアプリです。</a:t>
             </a:r>
-            <a:endParaRPr lang="en-US" altLang="ja-JP" dirty="0" smtClean="0"/>
-          </a:p>
-        </p:txBody>
-      </p:sp>
-      <p:pic>
-        <p:nvPicPr>
-          <p:cNvPr id="12" name="図 11"/>
-          <p:cNvPicPr>
-            <a:picLocks noChangeAspect="1"/>
-          </p:cNvPicPr>
-          <p:nvPr/>
-        </p:nvPicPr>
-        <p:blipFill>
-          <a:blip r:embed="rId3">
-            <a:extLst>
-              <a:ext uri="{28A0092B-C50C-407E-A947-70E740481C1C}">
-                <a14:useLocalDpi xmlns:a14="http://schemas.microsoft.com/office/drawing/2010/main" val="0"/>
-              </a:ext>
-            </a:extLst>
-          </a:blip>
-          <a:stretch>
-            <a:fillRect/>
-          </a:stretch>
-        </p:blipFill>
-        <p:spPr>
-          <a:xfrm>
-            <a:off x="5404738" y="4592187"/>
-            <a:ext cx="1791548" cy="2021890"/>
-          </a:xfrm>
-          <a:prstGeom prst="rect">
-            <a:avLst/>
-          </a:prstGeom>
-        </p:spPr>
-      </p:pic>
+            <a:endParaRPr lang="en-US" altLang="ja-JP" sz="3200" dirty="0" smtClean="0"/>
+          </a:p>
+        </p:txBody>
+      </p:sp>
       <p:pic>
         <p:nvPicPr>
           <p:cNvPr id="13" name="図 12"/>
@@ -3632,7 +3780,7 @@
           <p:nvPr/>
         </p:nvPicPr>
         <p:blipFill>
-          <a:blip r:embed="rId4">
+          <a:blip r:embed="rId3">
             <a:extLst>
               <a:ext uri="{28A0092B-C50C-407E-A947-70E740481C1C}">
                 <a14:useLocalDpi xmlns:a14="http://schemas.microsoft.com/office/drawing/2010/main" val="0"/>
@@ -3662,7 +3810,7 @@
           <p:nvPr/>
         </p:nvPicPr>
         <p:blipFill>
-          <a:blip r:embed="rId5" cstate="print">
+          <a:blip r:embed="rId4" cstate="print">
             <a:extLst>
               <a:ext uri="{28A0092B-C50C-407E-A947-70E740481C1C}">
                 <a14:useLocalDpi xmlns:a14="http://schemas.microsoft.com/office/drawing/2010/main" val="0"/>
@@ -3692,7 +3840,7 @@
           <p:nvPr/>
         </p:nvPicPr>
         <p:blipFill>
-          <a:blip r:embed="rId6" cstate="print">
+          <a:blip r:embed="rId5" cstate="print">
             <a:extLst>
               <a:ext uri="{28A0092B-C50C-407E-A947-70E740481C1C}">
                 <a14:useLocalDpi xmlns:a14="http://schemas.microsoft.com/office/drawing/2010/main" val="0"/>
@@ -3834,6 +3982,36 @@
           </a:p>
         </p:txBody>
       </p:sp>
+      <p:pic>
+        <p:nvPicPr>
+          <p:cNvPr id="3" name="図 2"/>
+          <p:cNvPicPr>
+            <a:picLocks noChangeAspect="1"/>
+          </p:cNvPicPr>
+          <p:nvPr/>
+        </p:nvPicPr>
+        <p:blipFill>
+          <a:blip r:embed="rId6">
+            <a:extLst>
+              <a:ext uri="{28A0092B-C50C-407E-A947-70E740481C1C}">
+                <a14:useLocalDpi xmlns:a14="http://schemas.microsoft.com/office/drawing/2010/main" val="0"/>
+              </a:ext>
+            </a:extLst>
+          </a:blip>
+          <a:stretch>
+            <a:fillRect/>
+          </a:stretch>
+        </p:blipFill>
+        <p:spPr>
+          <a:xfrm>
+            <a:off x="5389169" y="4582662"/>
+            <a:ext cx="1822685" cy="2113413"/>
+          </a:xfrm>
+          <a:prstGeom prst="rect">
+            <a:avLst/>
+          </a:prstGeom>
+        </p:spPr>
+      </p:pic>
     </p:spTree>
     <p:extLst>
       <p:ext uri="{BB962C8B-B14F-4D97-AF65-F5344CB8AC3E}">
@@ -3931,7 +4109,7 @@
                                           </p:stCondLst>
                                         </p:cTn>
                                         <p:tgtEl>
-                                          <p:spTgt spid="12"/>
+                                          <p:spTgt spid="3"/>
                                         </p:tgtEl>
                                         <p:attrNameLst>
                                           <p:attrName>style.visibility</p:attrName>
@@ -3945,7 +4123,7 @@
                                       <p:cBhvr additive="base">
                                         <p:cTn id="12" dur="500" fill="hold"/>
                                         <p:tgtEl>
-                                          <p:spTgt spid="12"/>
+                                          <p:spTgt spid="3"/>
                                         </p:tgtEl>
                                         <p:attrNameLst>
                                           <p:attrName>ppt_x</p:attrName>
@@ -3968,7 +4146,7 @@
                                       <p:cBhvr additive="base">
                                         <p:cTn id="13" dur="500" fill="hold"/>
                                         <p:tgtEl>
-                                          <p:spTgt spid="12"/>
+                                          <p:spTgt spid="3"/>
                                         </p:tgtEl>
                                         <p:attrNameLst>
                                           <p:attrName>ppt_y</p:attrName>
@@ -4296,6 +4474,46 @@
       </p:grpSpPr>
       <p:sp>
         <p:nvSpPr>
+          <p:cNvPr id="4" name="横巻き 3"/>
+          <p:cNvSpPr/>
+          <p:nvPr/>
+        </p:nvSpPr>
+        <p:spPr>
+          <a:xfrm>
+            <a:off x="776415" y="216841"/>
+            <a:ext cx="10674692" cy="1248033"/>
+          </a:xfrm>
+          <a:prstGeom prst="horizontalScroll">
+            <a:avLst/>
+          </a:prstGeom>
+        </p:spPr>
+        <p:style>
+          <a:lnRef idx="2">
+            <a:schemeClr val="accent5">
+              <a:shade val="50000"/>
+            </a:schemeClr>
+          </a:lnRef>
+          <a:fillRef idx="1">
+            <a:schemeClr val="accent5"/>
+          </a:fillRef>
+          <a:effectRef idx="0">
+            <a:schemeClr val="accent5"/>
+          </a:effectRef>
+          <a:fontRef idx="minor">
+            <a:schemeClr val="lt1"/>
+          </a:fontRef>
+        </p:style>
+        <p:txBody>
+          <a:bodyPr rtlCol="0" anchor="ctr"/>
+          <a:lstStyle/>
+          <a:p>
+            <a:pPr algn="ctr"/>
+            <a:endParaRPr kumimoji="1" lang="ja-JP" altLang="en-US"/>
+          </a:p>
+        </p:txBody>
+      </p:sp>
+      <p:sp>
+        <p:nvSpPr>
           <p:cNvPr id="2" name="タイトル 1"/>
           <p:cNvSpPr>
             <a:spLocks noGrp="1"/>
@@ -4304,16 +4522,43 @@
             <p:ph type="title"/>
           </p:nvPr>
         </p:nvSpPr>
-        <p:spPr/>
-        <p:txBody>
-          <a:bodyPr/>
-          <a:lstStyle/>
-          <a:p>
-            <a:r>
-              <a:rPr kumimoji="1" lang="ja-JP" altLang="en-US" dirty="0" smtClean="0"/>
+        <p:spPr>
+          <a:xfrm>
+            <a:off x="4310448" y="216841"/>
+            <a:ext cx="3029465" cy="1325563"/>
+          </a:xfrm>
+        </p:spPr>
+        <p:txBody>
+          <a:bodyPr/>
+          <a:lstStyle/>
+          <a:p>
+            <a:r>
+              <a:rPr kumimoji="1" lang="ja-JP" altLang="en-US" dirty="0" smtClean="0">
+                <a:solidFill>
+                  <a:schemeClr val="bg1"/>
+                </a:solidFill>
+                <a:effectLst>
+                  <a:outerShdw blurRad="50800" dist="38100" dir="18900000" algn="bl" rotWithShape="0">
+                    <a:prstClr val="black">
+                      <a:alpha val="40000"/>
+                    </a:prstClr>
+                  </a:outerShdw>
+                </a:effectLst>
+              </a:rPr>
               <a:t>開発環境</a:t>
             </a:r>
-            <a:endParaRPr kumimoji="1" lang="ja-JP" altLang="en-US" dirty="0"/>
+            <a:endParaRPr kumimoji="1" lang="ja-JP" altLang="en-US" dirty="0">
+              <a:solidFill>
+                <a:schemeClr val="bg1"/>
+              </a:solidFill>
+              <a:effectLst>
+                <a:outerShdw blurRad="50800" dist="38100" dir="18900000" algn="bl" rotWithShape="0">
+                  <a:prstClr val="black">
+                    <a:alpha val="40000"/>
+                  </a:prstClr>
+                </a:outerShdw>
+              </a:effectLst>
+            </a:endParaRPr>
           </a:p>
         </p:txBody>
       </p:sp>
@@ -4327,51 +4572,58 @@
             <p:ph idx="1"/>
           </p:nvPr>
         </p:nvSpPr>
-        <p:spPr/>
-        <p:txBody>
-          <a:bodyPr/>
-          <a:lstStyle/>
-          <a:p>
-            <a:r>
-              <a:rPr kumimoji="1" lang="en-US" altLang="ja-JP" dirty="0" smtClean="0"/>
+        <p:spPr>
+          <a:xfrm>
+            <a:off x="838200" y="2335427"/>
+            <a:ext cx="10515600" cy="3841536"/>
+          </a:xfrm>
+        </p:spPr>
+        <p:txBody>
+          <a:bodyPr>
+            <a:normAutofit/>
+          </a:bodyPr>
+          <a:lstStyle/>
+          <a:p>
+            <a:r>
+              <a:rPr kumimoji="1" lang="en-US" altLang="ja-JP" sz="3200" dirty="0" smtClean="0"/>
               <a:t>Android Studio</a:t>
             </a:r>
-            <a:endParaRPr lang="en-US" altLang="ja-JP" dirty="0" smtClean="0"/>
-          </a:p>
-          <a:p>
-            <a:r>
-              <a:rPr kumimoji="1" lang="en-US" altLang="ja-JP" dirty="0" err="1" smtClean="0"/>
+            <a:endParaRPr lang="en-US" altLang="ja-JP" sz="3200" dirty="0" smtClean="0"/>
+          </a:p>
+          <a:p>
+            <a:r>
+              <a:rPr kumimoji="1" lang="en-US" altLang="ja-JP" sz="3200" dirty="0" err="1" smtClean="0"/>
               <a:t>Github</a:t>
             </a:r>
-            <a:endParaRPr kumimoji="1" lang="en-US" altLang="ja-JP" dirty="0" smtClean="0"/>
-          </a:p>
-          <a:p>
-            <a:r>
-              <a:rPr lang="en-US" altLang="ja-JP" dirty="0" err="1" smtClean="0"/>
+            <a:endParaRPr kumimoji="1" lang="en-US" altLang="ja-JP" sz="3200" dirty="0" smtClean="0"/>
+          </a:p>
+          <a:p>
+            <a:r>
+              <a:rPr lang="en-US" altLang="ja-JP" sz="3200" dirty="0" err="1" smtClean="0"/>
               <a:t>SourceTree</a:t>
             </a:r>
-            <a:endParaRPr lang="en-US" altLang="ja-JP" dirty="0" smtClean="0"/>
-          </a:p>
-          <a:p>
-            <a:r>
-              <a:rPr kumimoji="1" lang="en-US" altLang="ja-JP" dirty="0" smtClean="0"/>
+            <a:endParaRPr lang="en-US" altLang="ja-JP" sz="3200" dirty="0" smtClean="0"/>
+          </a:p>
+          <a:p>
+            <a:r>
+              <a:rPr kumimoji="1" lang="en-US" altLang="ja-JP" sz="3200" dirty="0" smtClean="0"/>
               <a:t>Nexus 7</a:t>
             </a:r>
           </a:p>
           <a:p>
             <a:r>
-              <a:rPr lang="en-US" altLang="ja-JP" dirty="0" smtClean="0"/>
+              <a:rPr lang="en-US" altLang="ja-JP" sz="3200" dirty="0" smtClean="0"/>
               <a:t>Zen pad</a:t>
             </a:r>
           </a:p>
           <a:p>
             <a:r>
-              <a:rPr lang="en-US" altLang="ja-JP" dirty="0" smtClean="0"/>
+              <a:rPr lang="en-US" altLang="ja-JP" sz="3200" dirty="0" smtClean="0"/>
               <a:t>AQUOS PHONE 302sh</a:t>
             </a:r>
           </a:p>
           <a:p>
-            <a:endParaRPr kumimoji="1" lang="en-US" altLang="ja-JP" dirty="0" smtClean="0"/>
+            <a:endParaRPr kumimoji="1" lang="en-US" altLang="ja-JP" sz="3200" dirty="0" smtClean="0"/>
           </a:p>
         </p:txBody>
       </p:sp>
@@ -4414,6 +4666,46 @@
       </p:grpSpPr>
       <p:sp>
         <p:nvSpPr>
+          <p:cNvPr id="4" name="横巻き 3"/>
+          <p:cNvSpPr/>
+          <p:nvPr/>
+        </p:nvSpPr>
+        <p:spPr>
+          <a:xfrm>
+            <a:off x="783368" y="217831"/>
+            <a:ext cx="10674692" cy="1248033"/>
+          </a:xfrm>
+          <a:prstGeom prst="horizontalScroll">
+            <a:avLst/>
+          </a:prstGeom>
+        </p:spPr>
+        <p:style>
+          <a:lnRef idx="2">
+            <a:schemeClr val="accent5">
+              <a:shade val="50000"/>
+            </a:schemeClr>
+          </a:lnRef>
+          <a:fillRef idx="1">
+            <a:schemeClr val="accent5"/>
+          </a:fillRef>
+          <a:effectRef idx="0">
+            <a:schemeClr val="accent5"/>
+          </a:effectRef>
+          <a:fontRef idx="minor">
+            <a:schemeClr val="lt1"/>
+          </a:fontRef>
+        </p:style>
+        <p:txBody>
+          <a:bodyPr rtlCol="0" anchor="ctr"/>
+          <a:lstStyle/>
+          <a:p>
+            <a:pPr algn="ctr"/>
+            <a:endParaRPr kumimoji="1" lang="ja-JP" altLang="en-US"/>
+          </a:p>
+        </p:txBody>
+      </p:sp>
+      <p:sp>
+        <p:nvSpPr>
           <p:cNvPr id="2" name="タイトル 1"/>
           <p:cNvSpPr>
             <a:spLocks noGrp="1"/>
@@ -4422,16 +4714,43 @@
             <p:ph type="title"/>
           </p:nvPr>
         </p:nvSpPr>
-        <p:spPr/>
-        <p:txBody>
-          <a:bodyPr/>
-          <a:lstStyle/>
-          <a:p>
-            <a:r>
-              <a:rPr lang="ja-JP" altLang="en-US" dirty="0" smtClean="0"/>
+        <p:spPr>
+          <a:xfrm>
+            <a:off x="4236310" y="217831"/>
+            <a:ext cx="2807043" cy="1325563"/>
+          </a:xfrm>
+        </p:spPr>
+        <p:txBody>
+          <a:bodyPr/>
+          <a:lstStyle/>
+          <a:p>
+            <a:r>
+              <a:rPr lang="ja-JP" altLang="en-US" dirty="0" smtClean="0">
+                <a:solidFill>
+                  <a:schemeClr val="bg1"/>
+                </a:solidFill>
+                <a:effectLst>
+                  <a:outerShdw blurRad="50800" dist="38100" dir="18900000" algn="bl" rotWithShape="0">
+                    <a:prstClr val="black">
+                      <a:alpha val="40000"/>
+                    </a:prstClr>
+                  </a:outerShdw>
+                </a:effectLst>
+              </a:rPr>
               <a:t>機能説明</a:t>
             </a:r>
-            <a:endParaRPr kumimoji="1" lang="ja-JP" altLang="en-US" dirty="0"/>
+            <a:endParaRPr kumimoji="1" lang="ja-JP" altLang="en-US" dirty="0">
+              <a:solidFill>
+                <a:schemeClr val="bg1"/>
+              </a:solidFill>
+              <a:effectLst>
+                <a:outerShdw blurRad="50800" dist="38100" dir="18900000" algn="bl" rotWithShape="0">
+                  <a:prstClr val="black">
+                    <a:alpha val="40000"/>
+                  </a:prstClr>
+                </a:outerShdw>
+              </a:effectLst>
+            </a:endParaRPr>
           </a:p>
         </p:txBody>
       </p:sp>
@@ -4445,37 +4764,44 @@
             <p:ph idx="1"/>
           </p:nvPr>
         </p:nvSpPr>
-        <p:spPr/>
-        <p:txBody>
-          <a:bodyPr/>
-          <a:lstStyle/>
-          <a:p>
-            <a:r>
-              <a:rPr kumimoji="1" lang="ja-JP" altLang="en-US" dirty="0" smtClean="0"/>
+        <p:spPr>
+          <a:xfrm>
+            <a:off x="838200" y="2310714"/>
+            <a:ext cx="10515600" cy="3866249"/>
+          </a:xfrm>
+        </p:spPr>
+        <p:txBody>
+          <a:bodyPr>
+            <a:normAutofit/>
+          </a:bodyPr>
+          <a:lstStyle/>
+          <a:p>
+            <a:r>
+              <a:rPr kumimoji="1" lang="ja-JP" altLang="en-US" sz="3200" dirty="0" smtClean="0"/>
               <a:t>部屋作成</a:t>
             </a:r>
-            <a:endParaRPr kumimoji="1" lang="en-US" altLang="ja-JP" dirty="0" smtClean="0"/>
-          </a:p>
-          <a:p>
-            <a:r>
-              <a:rPr kumimoji="1" lang="ja-JP" altLang="en-US" dirty="0" smtClean="0"/>
+            <a:endParaRPr kumimoji="1" lang="en-US" altLang="ja-JP" sz="3200" dirty="0" smtClean="0"/>
+          </a:p>
+          <a:p>
+            <a:r>
+              <a:rPr kumimoji="1" lang="ja-JP" altLang="en-US" sz="3200" dirty="0" smtClean="0"/>
               <a:t>部屋検索</a:t>
             </a:r>
-            <a:endParaRPr kumimoji="1" lang="en-US" altLang="ja-JP" dirty="0" smtClean="0"/>
-          </a:p>
-          <a:p>
-            <a:r>
-              <a:rPr kumimoji="1" lang="ja-JP" altLang="en-US" dirty="0" smtClean="0"/>
+            <a:endParaRPr kumimoji="1" lang="en-US" altLang="ja-JP" sz="3200" dirty="0" smtClean="0"/>
+          </a:p>
+          <a:p>
+            <a:r>
+              <a:rPr kumimoji="1" lang="ja-JP" altLang="en-US" sz="3200" dirty="0" smtClean="0"/>
               <a:t>チャット</a:t>
             </a:r>
-            <a:endParaRPr kumimoji="1" lang="en-US" altLang="ja-JP" dirty="0" smtClean="0"/>
-          </a:p>
-          <a:p>
-            <a:r>
-              <a:rPr kumimoji="1" lang="ja-JP" altLang="en-US" dirty="0" smtClean="0"/>
+            <a:endParaRPr kumimoji="1" lang="en-US" altLang="ja-JP" sz="3200" dirty="0" smtClean="0"/>
+          </a:p>
+          <a:p>
+            <a:r>
+              <a:rPr kumimoji="1" lang="ja-JP" altLang="en-US" sz="3200" dirty="0" smtClean="0"/>
               <a:t>プロフィール</a:t>
             </a:r>
-            <a:endParaRPr kumimoji="1" lang="en-US" altLang="ja-JP" dirty="0" smtClean="0"/>
+            <a:endParaRPr kumimoji="1" lang="en-US" altLang="ja-JP" sz="3200" dirty="0" smtClean="0"/>
           </a:p>
         </p:txBody>
       </p:sp>
